--- a/AIエージェント作成7.pptx
+++ b/AIエージェント作成7.pptx
@@ -5779,6 +5779,30 @@
             <a:r>
               <a:rPr kumimoji="1" lang="ja-JP" altLang="en-US"/>
               <a:t>ゲートウェイがあるのでそれを噛ませた方が良いかも</a:t>
+            </a:r>
+            <a:endParaRPr kumimoji="1" lang="en-US" altLang="ja-JP" dirty="0"/>
+          </a:p>
+          <a:p>
+            <a:pPr lvl="1"/>
+            <a:r>
+              <a:rPr lang="en-US" altLang="ja-JP" dirty="0"/>
+              <a:t>https://</a:t>
+            </a:r>
+            <a:r>
+              <a:rPr lang="en-US" altLang="ja-JP" dirty="0" err="1"/>
+              <a:t>qiita.com</a:t>
+            </a:r>
+            <a:r>
+              <a:rPr lang="en-US" altLang="ja-JP" dirty="0"/>
+              <a:t>/</a:t>
+            </a:r>
+            <a:r>
+              <a:rPr lang="en-US" altLang="ja-JP" dirty="0" err="1"/>
+              <a:t>potofo</a:t>
+            </a:r>
+            <a:r>
+              <a:rPr lang="en-US" altLang="ja-JP" dirty="0"/>
+              <a:t>/items/90d592d622405b7d9edc</a:t>
             </a:r>
             <a:endParaRPr kumimoji="1" lang="en-US" altLang="ja-JP" dirty="0"/>
           </a:p>
@@ -6943,7 +6967,7 @@
         </p:spPr>
         <p:txBody>
           <a:bodyPr>
-            <a:normAutofit fontScale="92500" lnSpcReduction="10000"/>
+            <a:normAutofit fontScale="92500" lnSpcReduction="20000"/>
           </a:bodyPr>
           <a:lstStyle/>
           <a:p>
@@ -6993,6 +7017,22 @@
             <a:r>
               <a:rPr lang="ja-JP" altLang="en-US"/>
               <a:t>プランナー、リサーチャー、レポートライターに役割が別れている</a:t>
+            </a:r>
+            <a:endParaRPr lang="en-US" altLang="ja-JP" dirty="0"/>
+          </a:p>
+          <a:p>
+            <a:pPr lvl="3"/>
+            <a:r>
+              <a:rPr lang="en-US" altLang="ja-JP" dirty="0"/>
+              <a:t>https://</a:t>
+            </a:r>
+            <a:r>
+              <a:rPr lang="en-US" altLang="ja-JP" dirty="0" err="1"/>
+              <a:t>pypi.org</a:t>
+            </a:r>
+            <a:r>
+              <a:rPr lang="en-US" altLang="ja-JP"/>
+              <a:t>/project/open-deep-research/</a:t>
             </a:r>
             <a:endParaRPr lang="en-US" altLang="ja-JP" dirty="0"/>
           </a:p>
